--- a/doc/The APLA Language.pptx
+++ b/doc/The APLA Language.pptx
@@ -16,8 +16,9 @@
     <p:sldId id="263" r:id="rId10"/>
     <p:sldId id="264" r:id="rId11"/>
     <p:sldId id="267" r:id="rId12"/>
-    <p:sldId id="268" r:id="rId13"/>
-    <p:sldId id="270" r:id="rId14"/>
+    <p:sldId id="271" r:id="rId13"/>
+    <p:sldId id="268" r:id="rId14"/>
+    <p:sldId id="270" r:id="rId15"/>
   </p:sldIdLst>
   <p:sldSz cx="12192000" cy="6858000"/>
   <p:notesSz cx="6858000" cy="9144000"/>
@@ -354,7 +355,7 @@
           <a:p>
             <a:fld id="{48A87A34-81AB-432B-8DAE-1953F412C126}" type="datetimeFigureOut">
               <a:rPr lang="en-US" smtClean="0"/>
-              <a:t>5/1/2017</a:t>
+              <a:t>4/30/17</a:t>
             </a:fld>
             <a:endParaRPr lang="en-US" dirty="0"/>
           </a:p>
@@ -562,7 +563,7 @@
           <a:p>
             <a:fld id="{48A87A34-81AB-432B-8DAE-1953F412C126}" type="datetimeFigureOut">
               <a:rPr lang="en-US" smtClean="0"/>
-              <a:t>5/1/2017</a:t>
+              <a:t>4/30/17</a:t>
             </a:fld>
             <a:endParaRPr lang="en-US" dirty="0"/>
           </a:p>
@@ -818,7 +819,7 @@
           <a:p>
             <a:fld id="{48A87A34-81AB-432B-8DAE-1953F412C126}" type="datetimeFigureOut">
               <a:rPr lang="en-US" smtClean="0"/>
-              <a:t>5/1/2017</a:t>
+              <a:t>4/30/17</a:t>
             </a:fld>
             <a:endParaRPr lang="en-US" dirty="0"/>
           </a:p>
@@ -992,7 +993,7 @@
           <a:p>
             <a:fld id="{48A87A34-81AB-432B-8DAE-1953F412C126}" type="datetimeFigureOut">
               <a:rPr lang="en-US" smtClean="0"/>
-              <a:t>5/1/2017</a:t>
+              <a:t>4/30/17</a:t>
             </a:fld>
             <a:endParaRPr lang="en-US" dirty="0"/>
           </a:p>
@@ -1335,7 +1336,7 @@
           <a:p>
             <a:fld id="{48A87A34-81AB-432B-8DAE-1953F412C126}" type="datetimeFigureOut">
               <a:rPr lang="en-US" smtClean="0"/>
-              <a:t>5/1/2017</a:t>
+              <a:t>4/30/17</a:t>
             </a:fld>
             <a:endParaRPr lang="en-US" dirty="0"/>
           </a:p>
@@ -1610,7 +1611,7 @@
           <a:p>
             <a:fld id="{48A87A34-81AB-432B-8DAE-1953F412C126}" type="datetimeFigureOut">
               <a:rPr lang="en-US" smtClean="0"/>
-              <a:t>5/1/2017</a:t>
+              <a:t>4/30/17</a:t>
             </a:fld>
             <a:endParaRPr lang="en-US" dirty="0"/>
           </a:p>
@@ -1989,7 +1990,7 @@
           <a:p>
             <a:fld id="{48A87A34-81AB-432B-8DAE-1953F412C126}" type="datetimeFigureOut">
               <a:rPr lang="en-US" smtClean="0"/>
-              <a:t>5/1/2017</a:t>
+              <a:t>4/30/17</a:t>
             </a:fld>
             <a:endParaRPr lang="en-US" dirty="0"/>
           </a:p>
@@ -2107,7 +2108,7 @@
           <a:p>
             <a:fld id="{48A87A34-81AB-432B-8DAE-1953F412C126}" type="datetimeFigureOut">
               <a:rPr lang="en-US" smtClean="0"/>
-              <a:t>5/1/2017</a:t>
+              <a:t>4/30/17</a:t>
             </a:fld>
             <a:endParaRPr lang="en-US" dirty="0"/>
           </a:p>
@@ -2278,7 +2279,7 @@
           <a:p>
             <a:fld id="{48A87A34-81AB-432B-8DAE-1953F412C126}" type="datetimeFigureOut">
               <a:rPr lang="en-US" smtClean="0"/>
-              <a:t>5/1/2017</a:t>
+              <a:t>4/30/17</a:t>
             </a:fld>
             <a:endParaRPr lang="en-US" dirty="0"/>
           </a:p>
@@ -2632,7 +2633,7 @@
           <a:p>
             <a:fld id="{48A87A34-81AB-432B-8DAE-1953F412C126}" type="datetimeFigureOut">
               <a:rPr lang="en-US" smtClean="0"/>
-              <a:t>5/1/2017</a:t>
+              <a:t>4/30/17</a:t>
             </a:fld>
             <a:endParaRPr lang="en-US" dirty="0"/>
           </a:p>
@@ -3014,7 +3015,7 @@
           <a:p>
             <a:fld id="{48A87A34-81AB-432B-8DAE-1953F412C126}" type="datetimeFigureOut">
               <a:rPr lang="en-US" smtClean="0"/>
-              <a:t>5/1/2017</a:t>
+              <a:t>4/30/17</a:t>
             </a:fld>
             <a:endParaRPr lang="en-US" dirty="0"/>
           </a:p>
@@ -3302,7 +3303,7 @@
             <a:fld id="{48A87A34-81AB-432B-8DAE-1953F412C126}" type="datetimeFigureOut">
               <a:rPr lang="en-US" smtClean="0"/>
               <a:pPr/>
-              <a:t>5/1/2017</a:t>
+              <a:t>4/30/17</a:t>
             </a:fld>
             <a:endParaRPr lang="en-US" dirty="0"/>
           </a:p>
@@ -3840,7 +3841,7 @@
         <p:spPr/>
         <p:txBody>
           <a:bodyPr>
-            <a:normAutofit fontScale="90000"/>
+            <a:normAutofit/>
           </a:bodyPr>
           <a:lstStyle/>
           <a:p>
@@ -3849,10 +3850,18 @@
                 <a:latin typeface="Apple Chancery"/>
               </a:rPr>
               <a:t>The APLA Language</a:t>
+            </a:r>
+            <a:r>
+              <a:rPr lang="en-US" dirty="0"/>
+              <a:t/>
             </a:r>
             <a:br>
               <a:rPr lang="en-US" dirty="0"/>
             </a:br>
+            <a:r>
+              <a:rPr lang="en-US" dirty="0"/>
+              <a:t/>
+            </a:r>
             <a:br>
               <a:rPr lang="en-US" dirty="0"/>
             </a:br>
@@ -4003,6 +4012,10 @@
                 <a:latin typeface="Apple Chancery"/>
               </a:rPr>
               <a:t>Analyzer</a:t>
+            </a:r>
+            <a:r>
+              <a:rPr lang="en-US" sz="2400" dirty="0"/>
+              <a:t/>
             </a:r>
             <a:br>
               <a:rPr lang="en-US" sz="2400" dirty="0"/>
@@ -4284,8 +4297,8 @@
         </p:nvSpPr>
         <p:spPr>
           <a:xfrm>
-            <a:off x="7903796" y="148735"/>
-            <a:ext cx="3084891" cy="1478570"/>
+            <a:off x="7046752" y="148735"/>
+            <a:ext cx="3941935" cy="1478570"/>
           </a:xfrm>
         </p:spPr>
         <p:txBody>
@@ -4424,6 +4437,683 @@
 </file>
 
 <file path=ppt/slides/slide12.xml><?xml version="1.0" encoding="utf-8"?>
+<p:sld xmlns:a="http://schemas.openxmlformats.org/drawingml/2006/main" xmlns:r="http://schemas.openxmlformats.org/officeDocument/2006/relationships" xmlns:p="http://schemas.openxmlformats.org/presentationml/2006/main">
+  <p:cSld>
+    <p:spTree>
+      <p:nvGrpSpPr>
+        <p:cNvPr id="1" name=""/>
+        <p:cNvGrpSpPr/>
+        <p:nvPr/>
+      </p:nvGrpSpPr>
+      <p:grpSpPr>
+        <a:xfrm>
+          <a:off x="0" y="0"/>
+          <a:ext cx="0" cy="0"/>
+          <a:chOff x="0" y="0"/>
+          <a:chExt cx="0" cy="0"/>
+        </a:xfrm>
+      </p:grpSpPr>
+      <p:sp>
+        <p:nvSpPr>
+          <p:cNvPr id="2" name="Title 1"/>
+          <p:cNvSpPr>
+            <a:spLocks noGrp="1"/>
+          </p:cNvSpPr>
+          <p:nvPr>
+            <p:ph type="title"/>
+          </p:nvPr>
+        </p:nvSpPr>
+        <p:spPr>
+          <a:xfrm>
+            <a:off x="855677" y="511728"/>
+            <a:ext cx="9997999" cy="806182"/>
+          </a:xfrm>
+        </p:spPr>
+        <p:txBody>
+          <a:bodyPr/>
+          <a:lstStyle/>
+          <a:p>
+            <a:r>
+              <a:rPr lang="en-US" dirty="0">
+                <a:latin typeface="Apple Chancery"/>
+              </a:rPr>
+              <a:t>Intermediate</a:t>
+            </a:r>
+            <a:r>
+              <a:rPr lang="en-US" sz="3200" dirty="0">
+                <a:latin typeface="Apple Chancery"/>
+              </a:rPr>
+              <a:t> </a:t>
+            </a:r>
+            <a:r>
+              <a:rPr lang="en-US">
+                <a:latin typeface="Apple Chancery"/>
+              </a:rPr>
+              <a:t>Code</a:t>
+            </a:r>
+            <a:r>
+              <a:rPr lang="en-US" sz="3200">
+                <a:latin typeface="Apple Chancery"/>
+              </a:rPr>
+              <a:t> </a:t>
+            </a:r>
+            <a:r>
+              <a:rPr lang="en-US" sz="4000" smtClean="0">
+                <a:latin typeface="Apple Chancery"/>
+              </a:rPr>
+              <a:t>Example</a:t>
+            </a:r>
+            <a:r>
+              <a:rPr lang="en-US" sz="4000" smtClean="0">
+                <a:latin typeface="Apple Chancery"/>
+              </a:rPr>
+              <a:t>:</a:t>
+            </a:r>
+            <a:endParaRPr lang="en-US" dirty="0"/>
+          </a:p>
+        </p:txBody>
+      </p:sp>
+      <p:sp>
+        <p:nvSpPr>
+          <p:cNvPr id="3" name="Content Placeholder 2"/>
+          <p:cNvSpPr>
+            <a:spLocks noGrp="1"/>
+          </p:cNvSpPr>
+          <p:nvPr>
+            <p:ph idx="1"/>
+          </p:nvPr>
+        </p:nvSpPr>
+        <p:spPr/>
+        <p:txBody>
+          <a:bodyPr numCol="2">
+            <a:noAutofit/>
+          </a:bodyPr>
+          <a:lstStyle/>
+          <a:p>
+            <a:pPr marL="0" indent="0" algn="just">
+              <a:buNone/>
+            </a:pPr>
+            <a:r>
+              <a:rPr lang="en-US" sz="1600" dirty="0"/>
+              <a:t> </a:t>
+            </a:r>
+            <a:r>
+              <a:rPr lang="en-US" sz="1050" dirty="0">
+                <a:latin typeface="Times New Roman" panose="02020603050405020304" pitchFamily="18" charset="0"/>
+                <a:cs typeface="Times New Roman" panose="02020603050405020304" pitchFamily="18" charset="0"/>
+              </a:rPr>
+              <a:t>class public HelloWorld</a:t>
+            </a:r>
+          </a:p>
+          <a:p>
+            <a:pPr marL="0" indent="0" algn="just">
+              <a:buNone/>
+            </a:pPr>
+            <a:r>
+              <a:rPr lang="en-US" sz="1050" dirty="0">
+                <a:latin typeface="Times New Roman" panose="02020603050405020304" pitchFamily="18" charset="0"/>
+                <a:cs typeface="Times New Roman" panose="02020603050405020304" pitchFamily="18" charset="0"/>
+              </a:rPr>
+              <a:t>.super java/</a:t>
+            </a:r>
+            <a:r>
+              <a:rPr lang="en-US" sz="1050" dirty="0" err="1">
+                <a:latin typeface="Times New Roman" panose="02020603050405020304" pitchFamily="18" charset="0"/>
+                <a:cs typeface="Times New Roman" panose="02020603050405020304" pitchFamily="18" charset="0"/>
+              </a:rPr>
+              <a:t>lang</a:t>
+            </a:r>
+            <a:r>
+              <a:rPr lang="en-US" sz="1050" dirty="0">
+                <a:latin typeface="Times New Roman" panose="02020603050405020304" pitchFamily="18" charset="0"/>
+                <a:cs typeface="Times New Roman" panose="02020603050405020304" pitchFamily="18" charset="0"/>
+              </a:rPr>
+              <a:t>/Object</a:t>
+            </a:r>
+          </a:p>
+          <a:p>
+            <a:pPr marL="0" indent="0" algn="just">
+              <a:buNone/>
+            </a:pPr>
+            <a:r>
+              <a:rPr lang="en-US" sz="1050" dirty="0">
+                <a:latin typeface="Times New Roman" panose="02020603050405020304" pitchFamily="18" charset="0"/>
+                <a:cs typeface="Times New Roman" panose="02020603050405020304" pitchFamily="18" charset="0"/>
+              </a:rPr>
+              <a:t>.method public static main([</a:t>
+            </a:r>
+            <a:r>
+              <a:rPr lang="en-US" sz="1050" dirty="0" err="1">
+                <a:latin typeface="Times New Roman" panose="02020603050405020304" pitchFamily="18" charset="0"/>
+                <a:cs typeface="Times New Roman" panose="02020603050405020304" pitchFamily="18" charset="0"/>
+              </a:rPr>
+              <a:t>Ljava</a:t>
+            </a:r>
+            <a:r>
+              <a:rPr lang="en-US" sz="1050" dirty="0">
+                <a:latin typeface="Times New Roman" panose="02020603050405020304" pitchFamily="18" charset="0"/>
+                <a:cs typeface="Times New Roman" panose="02020603050405020304" pitchFamily="18" charset="0"/>
+              </a:rPr>
+              <a:t>/</a:t>
+            </a:r>
+            <a:r>
+              <a:rPr lang="en-US" sz="1050" dirty="0" err="1">
+                <a:latin typeface="Times New Roman" panose="02020603050405020304" pitchFamily="18" charset="0"/>
+                <a:cs typeface="Times New Roman" panose="02020603050405020304" pitchFamily="18" charset="0"/>
+              </a:rPr>
+              <a:t>lang</a:t>
+            </a:r>
+            <a:r>
+              <a:rPr lang="en-US" sz="1050" dirty="0">
+                <a:latin typeface="Times New Roman" panose="02020603050405020304" pitchFamily="18" charset="0"/>
+                <a:cs typeface="Times New Roman" panose="02020603050405020304" pitchFamily="18" charset="0"/>
+              </a:rPr>
+              <a:t>/String;)V</a:t>
+            </a:r>
+          </a:p>
+          <a:p>
+            <a:pPr marL="0" indent="0" algn="just">
+              <a:buNone/>
+            </a:pPr>
+            <a:r>
+              <a:rPr lang="en-US" sz="1050" dirty="0">
+                <a:latin typeface="Times New Roman" panose="02020603050405020304" pitchFamily="18" charset="0"/>
+                <a:cs typeface="Times New Roman" panose="02020603050405020304" pitchFamily="18" charset="0"/>
+              </a:rPr>
+              <a:t>.limit stack 100</a:t>
+            </a:r>
+          </a:p>
+          <a:p>
+            <a:pPr marL="0" indent="0" algn="just">
+              <a:buNone/>
+            </a:pPr>
+            <a:r>
+              <a:rPr lang="en-US" sz="1050" dirty="0">
+                <a:latin typeface="Times New Roman" panose="02020603050405020304" pitchFamily="18" charset="0"/>
+                <a:cs typeface="Times New Roman" panose="02020603050405020304" pitchFamily="18" charset="0"/>
+              </a:rPr>
+              <a:t>.limit locals 100</a:t>
+            </a:r>
+          </a:p>
+          <a:p>
+            <a:pPr marL="0" indent="0" algn="just">
+              <a:buNone/>
+            </a:pPr>
+            <a:r>
+              <a:rPr lang="en-US" sz="1050" dirty="0" err="1">
+                <a:latin typeface="Times New Roman" panose="02020603050405020304" pitchFamily="18" charset="0"/>
+                <a:cs typeface="Times New Roman" panose="02020603050405020304" pitchFamily="18" charset="0"/>
+              </a:rPr>
+              <a:t>ldc</a:t>
+            </a:r>
+            <a:r>
+              <a:rPr lang="en-US" sz="1050" dirty="0">
+                <a:latin typeface="Times New Roman" panose="02020603050405020304" pitchFamily="18" charset="0"/>
+                <a:cs typeface="Times New Roman" panose="02020603050405020304" pitchFamily="18" charset="0"/>
+              </a:rPr>
+              <a:t> 4</a:t>
+            </a:r>
+          </a:p>
+          <a:p>
+            <a:pPr marL="0" indent="0" algn="just">
+              <a:buNone/>
+            </a:pPr>
+            <a:r>
+              <a:rPr lang="en-US" sz="1050" dirty="0" err="1">
+                <a:latin typeface="Times New Roman" panose="02020603050405020304" pitchFamily="18" charset="0"/>
+                <a:cs typeface="Times New Roman" panose="02020603050405020304" pitchFamily="18" charset="0"/>
+              </a:rPr>
+              <a:t>istore</a:t>
+            </a:r>
+            <a:r>
+              <a:rPr lang="en-US" sz="1050" dirty="0">
+                <a:latin typeface="Times New Roman" panose="02020603050405020304" pitchFamily="18" charset="0"/>
+                <a:cs typeface="Times New Roman" panose="02020603050405020304" pitchFamily="18" charset="0"/>
+              </a:rPr>
+              <a:t> 0</a:t>
+            </a:r>
+          </a:p>
+          <a:p>
+            <a:pPr marL="0" indent="0" algn="just">
+              <a:buNone/>
+            </a:pPr>
+            <a:r>
+              <a:rPr lang="en-US" sz="1050" dirty="0" err="1">
+                <a:latin typeface="Times New Roman" panose="02020603050405020304" pitchFamily="18" charset="0"/>
+                <a:cs typeface="Times New Roman" panose="02020603050405020304" pitchFamily="18" charset="0"/>
+              </a:rPr>
+              <a:t>ldc</a:t>
+            </a:r>
+            <a:r>
+              <a:rPr lang="en-US" sz="1050" dirty="0">
+                <a:latin typeface="Times New Roman" panose="02020603050405020304" pitchFamily="18" charset="0"/>
+                <a:cs typeface="Times New Roman" panose="02020603050405020304" pitchFamily="18" charset="0"/>
+              </a:rPr>
+              <a:t> 16</a:t>
+            </a:r>
+          </a:p>
+          <a:p>
+            <a:pPr marL="0" indent="0" algn="just">
+              <a:buNone/>
+            </a:pPr>
+            <a:r>
+              <a:rPr lang="en-US" sz="1050" dirty="0" err="1">
+                <a:latin typeface="Times New Roman" panose="02020603050405020304" pitchFamily="18" charset="0"/>
+                <a:cs typeface="Times New Roman" panose="02020603050405020304" pitchFamily="18" charset="0"/>
+              </a:rPr>
+              <a:t>istore</a:t>
+            </a:r>
+            <a:r>
+              <a:rPr lang="en-US" sz="1050" dirty="0">
+                <a:latin typeface="Times New Roman" panose="02020603050405020304" pitchFamily="18" charset="0"/>
+                <a:cs typeface="Times New Roman" panose="02020603050405020304" pitchFamily="18" charset="0"/>
+              </a:rPr>
+              <a:t> 1</a:t>
+            </a:r>
+          </a:p>
+          <a:p>
+            <a:pPr marL="0" indent="0" algn="just">
+              <a:buNone/>
+            </a:pPr>
+            <a:r>
+              <a:rPr lang="en-US" sz="1050" dirty="0" err="1">
+                <a:latin typeface="Times New Roman" panose="02020603050405020304" pitchFamily="18" charset="0"/>
+                <a:cs typeface="Times New Roman" panose="02020603050405020304" pitchFamily="18" charset="0"/>
+              </a:rPr>
+              <a:t>iload</a:t>
+            </a:r>
+            <a:r>
+              <a:rPr lang="en-US" sz="1050" dirty="0">
+                <a:latin typeface="Times New Roman" panose="02020603050405020304" pitchFamily="18" charset="0"/>
+                <a:cs typeface="Times New Roman" panose="02020603050405020304" pitchFamily="18" charset="0"/>
+              </a:rPr>
+              <a:t> 0</a:t>
+            </a:r>
+          </a:p>
+          <a:p>
+            <a:pPr marL="0" indent="0" algn="just">
+              <a:buNone/>
+            </a:pPr>
+            <a:r>
+              <a:rPr lang="en-US" sz="1050" dirty="0" err="1">
+                <a:latin typeface="Times New Roman" panose="02020603050405020304" pitchFamily="18" charset="0"/>
+                <a:cs typeface="Times New Roman" panose="02020603050405020304" pitchFamily="18" charset="0"/>
+              </a:rPr>
+              <a:t>iload</a:t>
+            </a:r>
+            <a:r>
+              <a:rPr lang="en-US" sz="1050" dirty="0">
+                <a:latin typeface="Times New Roman" panose="02020603050405020304" pitchFamily="18" charset="0"/>
+                <a:cs typeface="Times New Roman" panose="02020603050405020304" pitchFamily="18" charset="0"/>
+              </a:rPr>
+              <a:t> 1</a:t>
+            </a:r>
+          </a:p>
+          <a:p>
+            <a:pPr marL="0" indent="0" algn="just">
+              <a:buNone/>
+            </a:pPr>
+            <a:r>
+              <a:rPr lang="en-US" sz="1050" dirty="0" err="1">
+                <a:latin typeface="Times New Roman" panose="02020603050405020304" pitchFamily="18" charset="0"/>
+                <a:cs typeface="Times New Roman" panose="02020603050405020304" pitchFamily="18" charset="0"/>
+              </a:rPr>
+              <a:t>iload</a:t>
+            </a:r>
+            <a:r>
+              <a:rPr lang="en-US" sz="1050" dirty="0">
+                <a:latin typeface="Times New Roman" panose="02020603050405020304" pitchFamily="18" charset="0"/>
+                <a:cs typeface="Times New Roman" panose="02020603050405020304" pitchFamily="18" charset="0"/>
+              </a:rPr>
+              <a:t> 1</a:t>
+            </a:r>
+          </a:p>
+          <a:p>
+            <a:pPr marL="0" indent="0" algn="just">
+              <a:buNone/>
+            </a:pPr>
+            <a:r>
+              <a:rPr lang="en-US" sz="1050" dirty="0" err="1">
+                <a:latin typeface="Times New Roman" panose="02020603050405020304" pitchFamily="18" charset="0"/>
+                <a:cs typeface="Times New Roman" panose="02020603050405020304" pitchFamily="18" charset="0"/>
+              </a:rPr>
+              <a:t>imul</a:t>
+            </a:r>
+            <a:endParaRPr lang="en-US" sz="1050" dirty="0">
+              <a:latin typeface="Times New Roman" panose="02020603050405020304" pitchFamily="18" charset="0"/>
+              <a:cs typeface="Times New Roman" panose="02020603050405020304" pitchFamily="18" charset="0"/>
+            </a:endParaRPr>
+          </a:p>
+          <a:p>
+            <a:pPr marL="0" indent="0" algn="just">
+              <a:buNone/>
+            </a:pPr>
+            <a:r>
+              <a:rPr lang="en-US" sz="1050" dirty="0" err="1">
+                <a:latin typeface="Times New Roman" panose="02020603050405020304" pitchFamily="18" charset="0"/>
+                <a:cs typeface="Times New Roman" panose="02020603050405020304" pitchFamily="18" charset="0"/>
+              </a:rPr>
+              <a:t>iload</a:t>
+            </a:r>
+            <a:r>
+              <a:rPr lang="en-US" sz="1050" dirty="0">
+                <a:latin typeface="Times New Roman" panose="02020603050405020304" pitchFamily="18" charset="0"/>
+                <a:cs typeface="Times New Roman" panose="02020603050405020304" pitchFamily="18" charset="0"/>
+              </a:rPr>
+              <a:t> 0</a:t>
+            </a:r>
+          </a:p>
+          <a:p>
+            <a:pPr marL="0" indent="0" algn="just">
+              <a:buNone/>
+            </a:pPr>
+            <a:r>
+              <a:rPr lang="en-US" sz="1050" dirty="0" err="1">
+                <a:latin typeface="Times New Roman" panose="02020603050405020304" pitchFamily="18" charset="0"/>
+                <a:cs typeface="Times New Roman" panose="02020603050405020304" pitchFamily="18" charset="0"/>
+              </a:rPr>
+              <a:t>idiv</a:t>
+            </a:r>
+            <a:endParaRPr lang="en-US" sz="1050" dirty="0">
+              <a:latin typeface="Times New Roman" panose="02020603050405020304" pitchFamily="18" charset="0"/>
+              <a:cs typeface="Times New Roman" panose="02020603050405020304" pitchFamily="18" charset="0"/>
+            </a:endParaRPr>
+          </a:p>
+          <a:p>
+            <a:pPr marL="0" indent="0" algn="just">
+              <a:buNone/>
+            </a:pPr>
+            <a:r>
+              <a:rPr lang="en-US" sz="1050" dirty="0" err="1">
+                <a:latin typeface="Times New Roman" panose="02020603050405020304" pitchFamily="18" charset="0"/>
+                <a:cs typeface="Times New Roman" panose="02020603050405020304" pitchFamily="18" charset="0"/>
+              </a:rPr>
+              <a:t>iadd</a:t>
+            </a:r>
+            <a:endParaRPr lang="en-US" sz="1050" dirty="0">
+              <a:latin typeface="Times New Roman" panose="02020603050405020304" pitchFamily="18" charset="0"/>
+              <a:cs typeface="Times New Roman" panose="02020603050405020304" pitchFamily="18" charset="0"/>
+            </a:endParaRPr>
+          </a:p>
+          <a:p>
+            <a:pPr marL="0" indent="0" algn="just">
+              <a:buNone/>
+            </a:pPr>
+            <a:r>
+              <a:rPr lang="en-US" sz="1050" dirty="0" err="1">
+                <a:latin typeface="Times New Roman" panose="02020603050405020304" pitchFamily="18" charset="0"/>
+                <a:cs typeface="Times New Roman" panose="02020603050405020304" pitchFamily="18" charset="0"/>
+              </a:rPr>
+              <a:t>iload</a:t>
+            </a:r>
+            <a:r>
+              <a:rPr lang="en-US" sz="1050" dirty="0">
+                <a:latin typeface="Times New Roman" panose="02020603050405020304" pitchFamily="18" charset="0"/>
+                <a:cs typeface="Times New Roman" panose="02020603050405020304" pitchFamily="18" charset="0"/>
+              </a:rPr>
+              <a:t> 1</a:t>
+            </a:r>
+          </a:p>
+          <a:p>
+            <a:pPr marL="0" indent="0" algn="just">
+              <a:buNone/>
+            </a:pPr>
+            <a:r>
+              <a:rPr lang="en-US" sz="1050" dirty="0" err="1">
+                <a:latin typeface="Times New Roman" panose="02020603050405020304" pitchFamily="18" charset="0"/>
+                <a:cs typeface="Times New Roman" panose="02020603050405020304" pitchFamily="18" charset="0"/>
+              </a:rPr>
+              <a:t>isub</a:t>
+            </a:r>
+            <a:endParaRPr lang="en-US" sz="1050" dirty="0">
+              <a:latin typeface="Times New Roman" panose="02020603050405020304" pitchFamily="18" charset="0"/>
+              <a:cs typeface="Times New Roman" panose="02020603050405020304" pitchFamily="18" charset="0"/>
+            </a:endParaRPr>
+          </a:p>
+          <a:p>
+            <a:pPr marL="0" indent="0" algn="just">
+              <a:buNone/>
+            </a:pPr>
+            <a:r>
+              <a:rPr lang="en-US" sz="1050" dirty="0" err="1">
+                <a:latin typeface="Times New Roman" panose="02020603050405020304" pitchFamily="18" charset="0"/>
+                <a:cs typeface="Times New Roman" panose="02020603050405020304" pitchFamily="18" charset="0"/>
+              </a:rPr>
+              <a:t>istore</a:t>
+            </a:r>
+            <a:r>
+              <a:rPr lang="en-US" sz="1050" dirty="0">
+                <a:latin typeface="Times New Roman" panose="02020603050405020304" pitchFamily="18" charset="0"/>
+                <a:cs typeface="Times New Roman" panose="02020603050405020304" pitchFamily="18" charset="0"/>
+              </a:rPr>
+              <a:t> 2</a:t>
+            </a:r>
+          </a:p>
+          <a:p>
+            <a:pPr marL="0" indent="0" algn="just">
+              <a:buNone/>
+            </a:pPr>
+            <a:r>
+              <a:rPr lang="en-US" sz="1050" dirty="0" err="1">
+                <a:latin typeface="Times New Roman" panose="02020603050405020304" pitchFamily="18" charset="0"/>
+                <a:cs typeface="Times New Roman" panose="02020603050405020304" pitchFamily="18" charset="0"/>
+              </a:rPr>
+              <a:t>getstatic</a:t>
+            </a:r>
+            <a:r>
+              <a:rPr lang="en-US" sz="1050" dirty="0">
+                <a:latin typeface="Times New Roman" panose="02020603050405020304" pitchFamily="18" charset="0"/>
+                <a:cs typeface="Times New Roman" panose="02020603050405020304" pitchFamily="18" charset="0"/>
+              </a:rPr>
+              <a:t> java/</a:t>
+            </a:r>
+            <a:r>
+              <a:rPr lang="en-US" sz="1050" dirty="0" err="1">
+                <a:latin typeface="Times New Roman" panose="02020603050405020304" pitchFamily="18" charset="0"/>
+                <a:cs typeface="Times New Roman" panose="02020603050405020304" pitchFamily="18" charset="0"/>
+              </a:rPr>
+              <a:t>lang</a:t>
+            </a:r>
+            <a:r>
+              <a:rPr lang="en-US" sz="1050" dirty="0">
+                <a:latin typeface="Times New Roman" panose="02020603050405020304" pitchFamily="18" charset="0"/>
+                <a:cs typeface="Times New Roman" panose="02020603050405020304" pitchFamily="18" charset="0"/>
+              </a:rPr>
+              <a:t>/System/out </a:t>
+            </a:r>
+            <a:r>
+              <a:rPr lang="en-US" sz="1050" dirty="0" err="1">
+                <a:latin typeface="Times New Roman" panose="02020603050405020304" pitchFamily="18" charset="0"/>
+                <a:cs typeface="Times New Roman" panose="02020603050405020304" pitchFamily="18" charset="0"/>
+              </a:rPr>
+              <a:t>Ljava</a:t>
+            </a:r>
+            <a:r>
+              <a:rPr lang="en-US" sz="1050" dirty="0">
+                <a:latin typeface="Times New Roman" panose="02020603050405020304" pitchFamily="18" charset="0"/>
+                <a:cs typeface="Times New Roman" panose="02020603050405020304" pitchFamily="18" charset="0"/>
+              </a:rPr>
+              <a:t>/</a:t>
+            </a:r>
+            <a:r>
+              <a:rPr lang="en-US" sz="1050" dirty="0" err="1">
+                <a:latin typeface="Times New Roman" panose="02020603050405020304" pitchFamily="18" charset="0"/>
+                <a:cs typeface="Times New Roman" panose="02020603050405020304" pitchFamily="18" charset="0"/>
+              </a:rPr>
+              <a:t>io</a:t>
+            </a:r>
+            <a:r>
+              <a:rPr lang="en-US" sz="1050" dirty="0">
+                <a:latin typeface="Times New Roman" panose="02020603050405020304" pitchFamily="18" charset="0"/>
+                <a:cs typeface="Times New Roman" panose="02020603050405020304" pitchFamily="18" charset="0"/>
+              </a:rPr>
+              <a:t>/</a:t>
+            </a:r>
+            <a:r>
+              <a:rPr lang="en-US" sz="1050" dirty="0" err="1">
+                <a:latin typeface="Times New Roman" panose="02020603050405020304" pitchFamily="18" charset="0"/>
+                <a:cs typeface="Times New Roman" panose="02020603050405020304" pitchFamily="18" charset="0"/>
+              </a:rPr>
+              <a:t>PrintStream</a:t>
+            </a:r>
+            <a:r>
+              <a:rPr lang="en-US" sz="1050" dirty="0">
+                <a:latin typeface="Times New Roman" panose="02020603050405020304" pitchFamily="18" charset="0"/>
+                <a:cs typeface="Times New Roman" panose="02020603050405020304" pitchFamily="18" charset="0"/>
+              </a:rPr>
+              <a:t>;</a:t>
+            </a:r>
+          </a:p>
+          <a:p>
+            <a:pPr marL="0" indent="0" algn="just">
+              <a:buNone/>
+            </a:pPr>
+            <a:r>
+              <a:rPr lang="en-US" sz="1050" dirty="0" err="1">
+                <a:latin typeface="Times New Roman" panose="02020603050405020304" pitchFamily="18" charset="0"/>
+                <a:cs typeface="Times New Roman" panose="02020603050405020304" pitchFamily="18" charset="0"/>
+              </a:rPr>
+              <a:t>iload</a:t>
+            </a:r>
+            <a:r>
+              <a:rPr lang="en-US" sz="1050" dirty="0">
+                <a:latin typeface="Times New Roman" panose="02020603050405020304" pitchFamily="18" charset="0"/>
+                <a:cs typeface="Times New Roman" panose="02020603050405020304" pitchFamily="18" charset="0"/>
+              </a:rPr>
+              <a:t> 2</a:t>
+            </a:r>
+          </a:p>
+          <a:p>
+            <a:pPr marL="0" indent="0" algn="just">
+              <a:buNone/>
+            </a:pPr>
+            <a:r>
+              <a:rPr lang="en-US" sz="1050" dirty="0" err="1">
+                <a:latin typeface="Times New Roman" panose="02020603050405020304" pitchFamily="18" charset="0"/>
+                <a:cs typeface="Times New Roman" panose="02020603050405020304" pitchFamily="18" charset="0"/>
+              </a:rPr>
+              <a:t>invokevirtual</a:t>
+            </a:r>
+            <a:r>
+              <a:rPr lang="en-US" sz="1050" dirty="0">
+                <a:latin typeface="Times New Roman" panose="02020603050405020304" pitchFamily="18" charset="0"/>
+                <a:cs typeface="Times New Roman" panose="02020603050405020304" pitchFamily="18" charset="0"/>
+              </a:rPr>
+              <a:t> java/</a:t>
+            </a:r>
+            <a:r>
+              <a:rPr lang="en-US" sz="1050" dirty="0" err="1">
+                <a:latin typeface="Times New Roman" panose="02020603050405020304" pitchFamily="18" charset="0"/>
+                <a:cs typeface="Times New Roman" panose="02020603050405020304" pitchFamily="18" charset="0"/>
+              </a:rPr>
+              <a:t>io</a:t>
+            </a:r>
+            <a:r>
+              <a:rPr lang="en-US" sz="1050" dirty="0">
+                <a:latin typeface="Times New Roman" panose="02020603050405020304" pitchFamily="18" charset="0"/>
+                <a:cs typeface="Times New Roman" panose="02020603050405020304" pitchFamily="18" charset="0"/>
+              </a:rPr>
+              <a:t>/</a:t>
+            </a:r>
+            <a:r>
+              <a:rPr lang="en-US" sz="1050" dirty="0" err="1">
+                <a:latin typeface="Times New Roman" panose="02020603050405020304" pitchFamily="18" charset="0"/>
+                <a:cs typeface="Times New Roman" panose="02020603050405020304" pitchFamily="18" charset="0"/>
+              </a:rPr>
+              <a:t>PrintStream</a:t>
+            </a:r>
+            <a:r>
+              <a:rPr lang="en-US" sz="1050" dirty="0">
+                <a:latin typeface="Times New Roman" panose="02020603050405020304" pitchFamily="18" charset="0"/>
+                <a:cs typeface="Times New Roman" panose="02020603050405020304" pitchFamily="18" charset="0"/>
+              </a:rPr>
+              <a:t>/</a:t>
+            </a:r>
+            <a:r>
+              <a:rPr lang="en-US" sz="1050" dirty="0" err="1">
+                <a:latin typeface="Times New Roman" panose="02020603050405020304" pitchFamily="18" charset="0"/>
+                <a:cs typeface="Times New Roman" panose="02020603050405020304" pitchFamily="18" charset="0"/>
+              </a:rPr>
+              <a:t>println</a:t>
+            </a:r>
+            <a:r>
+              <a:rPr lang="en-US" sz="1050" dirty="0">
+                <a:latin typeface="Times New Roman" panose="02020603050405020304" pitchFamily="18" charset="0"/>
+                <a:cs typeface="Times New Roman" panose="02020603050405020304" pitchFamily="18" charset="0"/>
+              </a:rPr>
+              <a:t>(I)V</a:t>
+            </a:r>
+          </a:p>
+          <a:p>
+            <a:pPr marL="0" indent="0" algn="just">
+              <a:buNone/>
+            </a:pPr>
+            <a:r>
+              <a:rPr lang="en-US" sz="1050" dirty="0">
+                <a:latin typeface="Times New Roman" panose="02020603050405020304" pitchFamily="18" charset="0"/>
+                <a:cs typeface="Times New Roman" panose="02020603050405020304" pitchFamily="18" charset="0"/>
+              </a:rPr>
+              <a:t>return</a:t>
+            </a:r>
+          </a:p>
+          <a:p>
+            <a:pPr marL="0" indent="0" algn="just">
+              <a:buNone/>
+            </a:pPr>
+            <a:r>
+              <a:rPr lang="en-US" sz="1050" dirty="0">
+                <a:latin typeface="Times New Roman" panose="02020603050405020304" pitchFamily="18" charset="0"/>
+                <a:cs typeface="Times New Roman" panose="02020603050405020304" pitchFamily="18" charset="0"/>
+              </a:rPr>
+              <a:t>.end method</a:t>
+            </a:r>
+          </a:p>
+        </p:txBody>
+      </p:sp>
+      <p:cxnSp>
+        <p:nvCxnSpPr>
+          <p:cNvPr id="5" name="Straight Connector 4"/>
+          <p:cNvCxnSpPr/>
+          <p:nvPr/>
+        </p:nvCxnSpPr>
+        <p:spPr>
+          <a:xfrm>
+            <a:off x="5134062" y="1736521"/>
+            <a:ext cx="58723" cy="4613945"/>
+          </a:xfrm>
+          <a:prstGeom prst="line">
+            <a:avLst/>
+          </a:prstGeom>
+        </p:spPr>
+        <p:style>
+          <a:lnRef idx="1">
+            <a:schemeClr val="accent1"/>
+          </a:lnRef>
+          <a:fillRef idx="0">
+            <a:schemeClr val="accent1"/>
+          </a:fillRef>
+          <a:effectRef idx="0">
+            <a:schemeClr val="accent1"/>
+          </a:effectRef>
+          <a:fontRef idx="minor">
+            <a:schemeClr val="tx1"/>
+          </a:fontRef>
+        </p:style>
+      </p:cxnSp>
+    </p:spTree>
+    <p:extLst>
+      <p:ext uri="{BB962C8B-B14F-4D97-AF65-F5344CB8AC3E}">
+        <p14:creationId xmlns:p14="http://schemas.microsoft.com/office/powerpoint/2010/main" val="2779006381"/>
+      </p:ext>
+    </p:extLst>
+  </p:cSld>
+  <p:clrMapOvr>
+    <a:masterClrMapping/>
+  </p:clrMapOvr>
+</p:sld>
+</file>
+
+<file path=ppt/slides/slide13.xml><?xml version="1.0" encoding="utf-8"?>
 <p:sld xmlns:a="http://schemas.openxmlformats.org/drawingml/2006/main" xmlns:r="http://schemas.openxmlformats.org/officeDocument/2006/relationships" xmlns:p="http://schemas.openxmlformats.org/presentationml/2006/main">
   <p:cSld>
     <p:spTree>
@@ -4486,7 +5176,7 @@
           </a:bodyPr>
           <a:lstStyle/>
           <a:p>
-            <a:br>
+            <a:r>
               <a:rPr lang="en-US" sz="4000" dirty="0">
                 <a:solidFill>
                   <a:schemeClr val="tx1">
@@ -4496,7 +5186,8 @@
                 </a:solidFill>
                 <a:latin typeface="Apple Chancery"/>
               </a:rPr>
-            </a:br>
+              <a:t/>
+            </a:r>
             <a:br>
               <a:rPr lang="en-US" sz="4000" dirty="0">
                 <a:solidFill>
@@ -4508,6 +5199,41 @@
                 <a:latin typeface="Apple Chancery"/>
               </a:rPr>
             </a:br>
+            <a:r>
+              <a:rPr lang="en-US" sz="4000" dirty="0">
+                <a:solidFill>
+                  <a:schemeClr val="tx1">
+                    <a:lumMod val="75000"/>
+                    <a:lumOff val="25000"/>
+                  </a:schemeClr>
+                </a:solidFill>
+                <a:latin typeface="Apple Chancery"/>
+              </a:rPr>
+              <a:t/>
+            </a:r>
+            <a:br>
+              <a:rPr lang="en-US" sz="4000" dirty="0">
+                <a:solidFill>
+                  <a:schemeClr val="tx1">
+                    <a:lumMod val="75000"/>
+                    <a:lumOff val="25000"/>
+                  </a:schemeClr>
+                </a:solidFill>
+                <a:latin typeface="Apple Chancery"/>
+              </a:rPr>
+            </a:br>
+            <a:r>
+              <a:rPr lang="en-US" sz="4000" dirty="0">
+                <a:solidFill>
+                  <a:schemeClr val="tx1">
+                    <a:lumMod val="75000"/>
+                    <a:lumOff val="25000"/>
+                  </a:schemeClr>
+                </a:solidFill>
+                <a:latin typeface="Apple Chancery"/>
+              </a:rPr>
+              <a:t/>
+            </a:r>
             <a:br>
               <a:rPr lang="en-US" sz="4000" dirty="0">
                 <a:solidFill>
@@ -4692,7 +5418,7 @@
 </p:sld>
 </file>
 
-<file path=ppt/slides/slide13.xml><?xml version="1.0" encoding="utf-8"?>
+<file path=ppt/slides/slide14.xml><?xml version="1.0" encoding="utf-8"?>
 <p:sld xmlns:a="http://schemas.openxmlformats.org/drawingml/2006/main" xmlns:r="http://schemas.openxmlformats.org/officeDocument/2006/relationships" xmlns:p="http://schemas.openxmlformats.org/presentationml/2006/main">
   <p:cSld>
     <p:spTree>
@@ -6063,6 +6789,14 @@
               </a:rPr>
               <a:t>Grammar</a:t>
             </a:r>
+            <a:r>
+              <a:rPr lang="en-US" dirty="0">
+                <a:solidFill>
+                  <a:schemeClr val="tx1"/>
+                </a:solidFill>
+              </a:rPr>
+              <a:t/>
+            </a:r>
             <a:br>
               <a:rPr lang="en-US" dirty="0">
                 <a:solidFill>
@@ -6212,6 +6946,14 @@
             <a:pPr marL="0" indent="0">
               <a:buNone/>
             </a:pPr>
+            <a:r>
+              <a:rPr lang="en-US" sz="1050" dirty="0">
+                <a:solidFill>
+                  <a:schemeClr val="tx1"/>
+                </a:solidFill>
+              </a:rPr>
+              <a:t/>
+            </a:r>
             <a:br>
               <a:rPr lang="en-US" sz="1050" dirty="0">
                 <a:solidFill>
@@ -6302,6 +7044,14 @@
             <a:pPr marL="0" indent="0">
               <a:buNone/>
             </a:pPr>
+            <a:r>
+              <a:rPr lang="en-US" sz="1050" dirty="0">
+                <a:solidFill>
+                  <a:schemeClr val="tx1"/>
+                </a:solidFill>
+              </a:rPr>
+              <a:t/>
+            </a:r>
             <a:br>
               <a:rPr lang="en-US" sz="1050" dirty="0">
                 <a:solidFill>
@@ -6497,6 +7247,14 @@
             <a:pPr marL="0" indent="0">
               <a:buNone/>
             </a:pPr>
+            <a:r>
+              <a:rPr lang="en-US" sz="1050" dirty="0">
+                <a:solidFill>
+                  <a:schemeClr val="tx1"/>
+                </a:solidFill>
+              </a:rPr>
+              <a:t/>
+            </a:r>
             <a:br>
               <a:rPr lang="en-US" sz="1050" dirty="0">
                 <a:solidFill>
@@ -6847,6 +7605,14 @@
             <a:pPr marL="0" indent="0">
               <a:buNone/>
             </a:pPr>
+            <a:r>
+              <a:rPr lang="en-US" sz="1050" dirty="0">
+                <a:solidFill>
+                  <a:schemeClr val="tx1"/>
+                </a:solidFill>
+              </a:rPr>
+              <a:t/>
+            </a:r>
             <a:br>
               <a:rPr lang="en-US" sz="1050" dirty="0">
                 <a:solidFill>
@@ -6901,6 +7667,14 @@
             <a:pPr marL="0" indent="0">
               <a:buNone/>
             </a:pPr>
+            <a:r>
+              <a:rPr lang="en-US" sz="1050" dirty="0">
+                <a:solidFill>
+                  <a:schemeClr val="tx1"/>
+                </a:solidFill>
+              </a:rPr>
+              <a:t/>
+            </a:r>
             <a:br>
               <a:rPr lang="en-US" sz="1050" dirty="0">
                 <a:solidFill>
@@ -6955,6 +7729,14 @@
             <a:pPr marL="0" indent="0">
               <a:buNone/>
             </a:pPr>
+            <a:r>
+              <a:rPr lang="en-US" sz="1050" dirty="0">
+                <a:solidFill>
+                  <a:schemeClr val="tx1"/>
+                </a:solidFill>
+              </a:rPr>
+              <a:t/>
+            </a:r>
             <a:br>
               <a:rPr lang="en-US" sz="1050" dirty="0">
                 <a:solidFill>
@@ -7086,6 +7868,14 @@
             <a:pPr marL="0" indent="0">
               <a:buNone/>
             </a:pPr>
+            <a:r>
+              <a:rPr lang="en-US" sz="1050" dirty="0">
+                <a:solidFill>
+                  <a:schemeClr val="tx1"/>
+                </a:solidFill>
+              </a:rPr>
+              <a:t/>
+            </a:r>
             <a:br>
               <a:rPr lang="en-US" sz="1050" dirty="0">
                 <a:solidFill>
@@ -7140,6 +7930,14 @@
             <a:pPr marL="0" indent="0">
               <a:buNone/>
             </a:pPr>
+            <a:r>
+              <a:rPr lang="en-US" sz="1050" dirty="0">
+                <a:solidFill>
+                  <a:schemeClr val="tx1"/>
+                </a:solidFill>
+              </a:rPr>
+              <a:t/>
+            </a:r>
             <a:br>
               <a:rPr lang="en-US" sz="1050" dirty="0">
                 <a:solidFill>
@@ -7189,6 +7987,14 @@
             <a:pPr marL="0" indent="0">
               <a:buNone/>
             </a:pPr>
+            <a:r>
+              <a:rPr lang="en-US" sz="1050" dirty="0">
+                <a:solidFill>
+                  <a:schemeClr val="tx1"/>
+                </a:solidFill>
+              </a:rPr>
+              <a:t/>
+            </a:r>
             <a:br>
               <a:rPr lang="en-US" sz="1050" dirty="0">
                 <a:solidFill>
@@ -7222,6 +8028,14 @@
             <a:pPr marL="0" indent="0">
               <a:buNone/>
             </a:pPr>
+            <a:r>
+              <a:rPr lang="en-US" sz="1050" dirty="0">
+                <a:solidFill>
+                  <a:schemeClr val="tx1"/>
+                </a:solidFill>
+              </a:rPr>
+              <a:t/>
+            </a:r>
             <a:br>
               <a:rPr lang="en-US" sz="1050" dirty="0">
                 <a:solidFill>
